--- a/resource/project_presentation.pptx
+++ b/resource/project_presentation.pptx
@@ -214,7 +214,7 @@
           <a:p>
             <a:fld id="{181B3BF1-4A3C-4696-9796-DA8D9610C879}" type="datetimeFigureOut">
               <a:rPr lang="zh-CN" altLang="en-US" smtClean="0"/>
-              <a:t>2019/4/23</a:t>
+              <a:t>2019/12/7</a:t>
             </a:fld>
             <a:endParaRPr lang="zh-CN" altLang="en-US"/>
           </a:p>
@@ -1248,7 +1248,7 @@
           <a:p>
             <a:fld id="{530820CF-B880-4189-942D-D702A7CBA730}" type="datetimeFigureOut">
               <a:rPr lang="zh-CN" altLang="en-US" smtClean="0"/>
-              <a:t>2019/4/23</a:t>
+              <a:t>2019/12/7</a:t>
             </a:fld>
             <a:endParaRPr lang="zh-CN" altLang="en-US"/>
           </a:p>
@@ -1423,7 +1423,7 @@
           <a:p>
             <a:fld id="{530820CF-B880-4189-942D-D702A7CBA730}" type="datetimeFigureOut">
               <a:rPr lang="zh-CN" altLang="en-US" smtClean="0"/>
-              <a:t>2019/4/23</a:t>
+              <a:t>2019/12/7</a:t>
             </a:fld>
             <a:endParaRPr lang="zh-CN" altLang="en-US"/>
           </a:p>
@@ -1608,7 +1608,7 @@
           <a:p>
             <a:fld id="{530820CF-B880-4189-942D-D702A7CBA730}" type="datetimeFigureOut">
               <a:rPr lang="zh-CN" altLang="en-US" smtClean="0"/>
-              <a:t>2019/4/23</a:t>
+              <a:t>2019/12/7</a:t>
             </a:fld>
             <a:endParaRPr lang="zh-CN" altLang="en-US"/>
           </a:p>
@@ -1783,7 +1783,7 @@
           <a:p>
             <a:fld id="{530820CF-B880-4189-942D-D702A7CBA730}" type="datetimeFigureOut">
               <a:rPr lang="zh-CN" altLang="en-US" smtClean="0"/>
-              <a:t>2019/4/23</a:t>
+              <a:t>2019/12/7</a:t>
             </a:fld>
             <a:endParaRPr lang="zh-CN" altLang="en-US"/>
           </a:p>
@@ -2035,7 +2035,7 @@
           <a:p>
             <a:fld id="{530820CF-B880-4189-942D-D702A7CBA730}" type="datetimeFigureOut">
               <a:rPr lang="zh-CN" altLang="en-US" smtClean="0"/>
-              <a:t>2019/4/23</a:t>
+              <a:t>2019/12/7</a:t>
             </a:fld>
             <a:endParaRPr lang="zh-CN" altLang="en-US"/>
           </a:p>
@@ -2327,7 +2327,7 @@
           <a:p>
             <a:fld id="{530820CF-B880-4189-942D-D702A7CBA730}" type="datetimeFigureOut">
               <a:rPr lang="zh-CN" altLang="en-US" smtClean="0"/>
-              <a:t>2019/4/23</a:t>
+              <a:t>2019/12/7</a:t>
             </a:fld>
             <a:endParaRPr lang="zh-CN" altLang="en-US"/>
           </a:p>
@@ -2753,7 +2753,7 @@
           <a:p>
             <a:fld id="{530820CF-B880-4189-942D-D702A7CBA730}" type="datetimeFigureOut">
               <a:rPr lang="zh-CN" altLang="en-US" smtClean="0"/>
-              <a:t>2019/4/23</a:t>
+              <a:t>2019/12/7</a:t>
             </a:fld>
             <a:endParaRPr lang="zh-CN" altLang="en-US"/>
           </a:p>
@@ -2877,7 +2877,7 @@
           <a:p>
             <a:fld id="{530820CF-B880-4189-942D-D702A7CBA730}" type="datetimeFigureOut">
               <a:rPr lang="zh-CN" altLang="en-US" smtClean="0"/>
-              <a:t>2019/4/23</a:t>
+              <a:t>2019/12/7</a:t>
             </a:fld>
             <a:endParaRPr lang="zh-CN" altLang="en-US"/>
           </a:p>
@@ -2979,7 +2979,7 @@
           <a:p>
             <a:fld id="{530820CF-B880-4189-942D-D702A7CBA730}" type="datetimeFigureOut">
               <a:rPr lang="zh-CN" altLang="en-US" smtClean="0"/>
-              <a:t>2019/4/23</a:t>
+              <a:t>2019/12/7</a:t>
             </a:fld>
             <a:endParaRPr lang="zh-CN" altLang="en-US"/>
           </a:p>
@@ -3261,7 +3261,7 @@
           <a:p>
             <a:fld id="{530820CF-B880-4189-942D-D702A7CBA730}" type="datetimeFigureOut">
               <a:rPr lang="zh-CN" altLang="en-US" smtClean="0"/>
-              <a:t>2019/4/23</a:t>
+              <a:t>2019/12/7</a:t>
             </a:fld>
             <a:endParaRPr lang="zh-CN" altLang="en-US"/>
           </a:p>
@@ -3520,7 +3520,7 @@
           <a:p>
             <a:fld id="{530820CF-B880-4189-942D-D702A7CBA730}" type="datetimeFigureOut">
               <a:rPr lang="zh-CN" altLang="en-US" smtClean="0"/>
-              <a:t>2019/4/23</a:t>
+              <a:t>2019/12/7</a:t>
             </a:fld>
             <a:endParaRPr lang="zh-CN" altLang="en-US"/>
           </a:p>
@@ -3738,7 +3738,7 @@
           <a:p>
             <a:fld id="{530820CF-B880-4189-942D-D702A7CBA730}" type="datetimeFigureOut">
               <a:rPr lang="zh-CN" altLang="en-US" smtClean="0"/>
-              <a:t>2019/4/23</a:t>
+              <a:t>2019/12/7</a:t>
             </a:fld>
             <a:endParaRPr lang="zh-CN" altLang="en-US"/>
           </a:p>
@@ -5105,6 +5105,55 @@
           </a:p>
         </p:txBody>
       </p:sp>
+      <p:pic>
+        <p:nvPicPr>
+          <p:cNvPr id="5" name="Picture 4">
+            <a:extLst>
+              <a:ext uri="{FF2B5EF4-FFF2-40B4-BE49-F238E27FC236}">
+                <a16:creationId xmlns:a16="http://schemas.microsoft.com/office/drawing/2014/main" id="{DFFB11EF-1498-4171-94FB-A97CD026D23C}"/>
+              </a:ext>
+            </a:extLst>
+          </p:cNvPr>
+          <p:cNvPicPr>
+            <a:picLocks noChangeAspect="1"/>
+          </p:cNvPicPr>
+          <p:nvPr/>
+        </p:nvPicPr>
+        <p:blipFill>
+          <a:blip r:embed="rId3">
+            <a:duotone>
+              <a:prstClr val="black"/>
+              <a:schemeClr val="accent2">
+                <a:tint val="45000"/>
+                <a:satMod val="400000"/>
+              </a:schemeClr>
+            </a:duotone>
+            <a:extLst>
+              <a:ext uri="{BEBA8EAE-BF5A-486C-A8C5-ECC9F3942E4B}">
+                <a14:imgProps xmlns:a14="http://schemas.microsoft.com/office/drawing/2010/main">
+                  <a14:imgLayer r:embed="rId4">
+                    <a14:imgEffect>
+                      <a14:artisticLineDrawing/>
+                    </a14:imgEffect>
+                  </a14:imgLayer>
+                </a14:imgProps>
+              </a:ext>
+            </a:extLst>
+          </a:blip>
+          <a:stretch>
+            <a:fillRect/>
+          </a:stretch>
+        </p:blipFill>
+        <p:spPr>
+          <a:xfrm>
+            <a:off x="2792551" y="22164"/>
+            <a:ext cx="6036093" cy="1642346"/>
+          </a:xfrm>
+          <a:prstGeom prst="rect">
+            <a:avLst/>
+          </a:prstGeom>
+        </p:spPr>
+      </p:pic>
     </p:spTree>
     <p:extLst>
       <p:ext uri="{BB962C8B-B14F-4D97-AF65-F5344CB8AC3E}">
@@ -5123,7 +5172,7 @@
       <p:transition advClick="0" advTm="6355"/>
     </mc:Fallback>
   </mc:AlternateContent>
-  <p:extLst mod="1">
+  <p:extLst>
     <p:ext uri="{E180D4A7-C9FB-4DFB-919C-405C955672EB}">
       <p14:showEvtLst xmlns:p14="http://schemas.microsoft.com/office/powerpoint/2010/main">
         <p14:playEvt time="2103" objId="4"/>
